--- a/Desafio Técnico Arquiteto de Soluções.pptx
+++ b/Desafio Técnico Arquiteto de Soluções.pptx
@@ -3532,7 +3532,7 @@
         </p:spPr>
         <p:txBody>
           <a:bodyPr>
-            <a:normAutofit fontScale="85000" lnSpcReduction="10000"/>
+            <a:normAutofit fontScale="77500" lnSpcReduction="20000"/>
           </a:bodyPr>
           <a:lstStyle/>
           <a:p>
@@ -3544,6 +3544,84 @@
               <a:latin typeface="Arial" panose="020B0604020202020204" pitchFamily="34" charset="0"/>
               <a:cs typeface="Arial" panose="020B0604020202020204" pitchFamily="34" charset="0"/>
             </a:endParaRPr>
+          </a:p>
+          <a:p>
+            <a:pPr marL="342900" lvl="0" indent="-342900">
+              <a:lnSpc>
+                <a:spcPct val="106000"/>
+              </a:lnSpc>
+              <a:spcAft>
+                <a:spcPts val="800"/>
+              </a:spcAft>
+              <a:buFont typeface="Wingdings" panose="05000000000000000000" pitchFamily="2" charset="2"/>
+              <a:buChar char=""/>
+              <a:tabLst>
+                <a:tab pos="457200" algn="l"/>
+              </a:tabLst>
+            </a:pPr>
+            <a:r>
+              <a:rPr lang="pt-BR" sz="1800" dirty="0">
+                <a:effectLst/>
+                <a:latin typeface="Calibri" panose="020F0502020204030204" pitchFamily="34" charset="0"/>
+                <a:ea typeface="Calibri" panose="020F0502020204030204" pitchFamily="34" charset="0"/>
+                <a:cs typeface="Times New Roman" panose="02020603050405020304" pitchFamily="18" charset="0"/>
+              </a:rPr>
+              <a:t>Será instalado via </a:t>
+            </a:r>
+            <a:r>
+              <a:rPr lang="pt-BR" sz="1800" dirty="0" err="1">
+                <a:effectLst/>
+                <a:latin typeface="Calibri" panose="020F0502020204030204" pitchFamily="34" charset="0"/>
+                <a:ea typeface="Calibri" panose="020F0502020204030204" pitchFamily="34" charset="0"/>
+                <a:cs typeface="Times New Roman" panose="02020603050405020304" pitchFamily="18" charset="0"/>
+              </a:rPr>
+              <a:t>Ansible</a:t>
+            </a:r>
+            <a:r>
+              <a:rPr lang="pt-BR" sz="1800" dirty="0">
+                <a:effectLst/>
+                <a:latin typeface="Calibri" panose="020F0502020204030204" pitchFamily="34" charset="0"/>
+                <a:ea typeface="Calibri" panose="020F0502020204030204" pitchFamily="34" charset="0"/>
+                <a:cs typeface="Times New Roman" panose="02020603050405020304" pitchFamily="18" charset="0"/>
+              </a:rPr>
+              <a:t> o </a:t>
+            </a:r>
+            <a:r>
+              <a:rPr lang="pt-BR" sz="1800" dirty="0" err="1">
+                <a:effectLst/>
+                <a:latin typeface="Calibri" panose="020F0502020204030204" pitchFamily="34" charset="0"/>
+                <a:ea typeface="Calibri" panose="020F0502020204030204" pitchFamily="34" charset="0"/>
+                <a:cs typeface="Times New Roman" panose="02020603050405020304" pitchFamily="18" charset="0"/>
+              </a:rPr>
+              <a:t>Terraform</a:t>
+            </a:r>
+            <a:r>
+              <a:rPr lang="pt-BR" sz="1800" dirty="0">
+                <a:effectLst/>
+                <a:latin typeface="Calibri" panose="020F0502020204030204" pitchFamily="34" charset="0"/>
+                <a:ea typeface="Calibri" panose="020F0502020204030204" pitchFamily="34" charset="0"/>
+                <a:cs typeface="Times New Roman" panose="02020603050405020304" pitchFamily="18" charset="0"/>
+              </a:rPr>
+              <a:t> e o Jenkins no servidor </a:t>
+            </a:r>
+            <a:r>
+              <a:rPr lang="pt-BR" sz="1800" dirty="0" err="1">
+                <a:effectLst/>
+                <a:latin typeface="Calibri" panose="020F0502020204030204" pitchFamily="34" charset="0"/>
+                <a:ea typeface="Calibri" panose="020F0502020204030204" pitchFamily="34" charset="0"/>
+                <a:cs typeface="Times New Roman" panose="02020603050405020304" pitchFamily="18" charset="0"/>
+              </a:rPr>
+              <a:t>DevOps</a:t>
+            </a:r>
+            <a:r>
+              <a:rPr lang="pt-BR" sz="1800" dirty="0">
+                <a:effectLst/>
+                <a:latin typeface="Calibri" panose="020F0502020204030204" pitchFamily="34" charset="0"/>
+                <a:ea typeface="Calibri" panose="020F0502020204030204" pitchFamily="34" charset="0"/>
+                <a:cs typeface="Times New Roman" panose="02020603050405020304" pitchFamily="18" charset="0"/>
+              </a:rPr>
+              <a:t>.</a:t>
+            </a:r>
           </a:p>
           <a:p>
             <a:pPr marL="342900" lvl="0" indent="-342900">
